--- a/reference_material/slides/016_inheritance.pptx
+++ b/reference_material/slides/016_inheritance.pptx
@@ -3716,8 +3716,13 @@
             <a:pPr lvl="1"/>
             <a:r>
               <a:rPr lang="en-US" dirty="0"/>
-              <a:t>Encapsulation, private/protected items, setting and getting attributes. </a:t>
-            </a:r>
+              <a:t>Encapsulation, private/protected items, setting and getting attributes</a:t>
+            </a:r>
+            <a:r>
+              <a:rPr lang="en-US"/>
+              <a:t>, decorators. </a:t>
+            </a:r>
+            <a:endParaRPr lang="en-US" dirty="0"/>
           </a:p>
           <a:p>
             <a:pPr lvl="1"/>
